--- a/HTML/HTML 22-11-2015.pptx
+++ b/HTML/HTML 22-11-2015.pptx
@@ -299,7 +299,7 @@
             <a:fld id="{FFC4640D-1B8B-4AD7-A1A6-CD7E282C5B04}" type="datetimeFigureOut">
               <a:rPr lang="en-US" smtClean="0"/>
               <a:pPr/>
-              <a:t>11/22/2015</a:t>
+              <a:t>10/12/2016</a:t>
             </a:fld>
             <a:endParaRPr lang="en-US"/>
           </a:p>
@@ -466,7 +466,7 @@
             <a:fld id="{FFC4640D-1B8B-4AD7-A1A6-CD7E282C5B04}" type="datetimeFigureOut">
               <a:rPr lang="en-US" smtClean="0"/>
               <a:pPr/>
-              <a:t>11/22/2015</a:t>
+              <a:t>10/12/2016</a:t>
             </a:fld>
             <a:endParaRPr lang="en-US"/>
           </a:p>
@@ -643,7 +643,7 @@
             <a:fld id="{FFC4640D-1B8B-4AD7-A1A6-CD7E282C5B04}" type="datetimeFigureOut">
               <a:rPr lang="en-US" smtClean="0"/>
               <a:pPr/>
-              <a:t>11/22/2015</a:t>
+              <a:t>10/12/2016</a:t>
             </a:fld>
             <a:endParaRPr lang="en-US"/>
           </a:p>
@@ -810,7 +810,7 @@
             <a:fld id="{FFC4640D-1B8B-4AD7-A1A6-CD7E282C5B04}" type="datetimeFigureOut">
               <a:rPr lang="en-US" smtClean="0"/>
               <a:pPr/>
-              <a:t>11/22/2015</a:t>
+              <a:t>10/12/2016</a:t>
             </a:fld>
             <a:endParaRPr lang="en-US"/>
           </a:p>
@@ -1053,7 +1053,7 @@
             <a:fld id="{FFC4640D-1B8B-4AD7-A1A6-CD7E282C5B04}" type="datetimeFigureOut">
               <a:rPr lang="en-US" smtClean="0"/>
               <a:pPr/>
-              <a:t>11/22/2015</a:t>
+              <a:t>10/12/2016</a:t>
             </a:fld>
             <a:endParaRPr lang="en-US"/>
           </a:p>
@@ -1338,7 +1338,7 @@
             <a:fld id="{FFC4640D-1B8B-4AD7-A1A6-CD7E282C5B04}" type="datetimeFigureOut">
               <a:rPr lang="en-US" smtClean="0"/>
               <a:pPr/>
-              <a:t>11/22/2015</a:t>
+              <a:t>10/12/2016</a:t>
             </a:fld>
             <a:endParaRPr lang="en-US"/>
           </a:p>
@@ -1757,7 +1757,7 @@
             <a:fld id="{FFC4640D-1B8B-4AD7-A1A6-CD7E282C5B04}" type="datetimeFigureOut">
               <a:rPr lang="en-US" smtClean="0"/>
               <a:pPr/>
-              <a:t>11/22/2015</a:t>
+              <a:t>10/12/2016</a:t>
             </a:fld>
             <a:endParaRPr lang="en-US"/>
           </a:p>
@@ -1872,7 +1872,7 @@
             <a:fld id="{FFC4640D-1B8B-4AD7-A1A6-CD7E282C5B04}" type="datetimeFigureOut">
               <a:rPr lang="en-US" smtClean="0"/>
               <a:pPr/>
-              <a:t>11/22/2015</a:t>
+              <a:t>10/12/2016</a:t>
             </a:fld>
             <a:endParaRPr lang="en-US"/>
           </a:p>
@@ -1964,7 +1964,7 @@
             <a:fld id="{FFC4640D-1B8B-4AD7-A1A6-CD7E282C5B04}" type="datetimeFigureOut">
               <a:rPr lang="en-US" smtClean="0"/>
               <a:pPr/>
-              <a:t>11/22/2015</a:t>
+              <a:t>10/12/2016</a:t>
             </a:fld>
             <a:endParaRPr lang="en-US"/>
           </a:p>
@@ -2238,7 +2238,7 @@
             <a:fld id="{FFC4640D-1B8B-4AD7-A1A6-CD7E282C5B04}" type="datetimeFigureOut">
               <a:rPr lang="en-US" smtClean="0"/>
               <a:pPr/>
-              <a:t>11/22/2015</a:t>
+              <a:t>10/12/2016</a:t>
             </a:fld>
             <a:endParaRPr lang="en-US"/>
           </a:p>
@@ -2488,7 +2488,7 @@
             <a:fld id="{FFC4640D-1B8B-4AD7-A1A6-CD7E282C5B04}" type="datetimeFigureOut">
               <a:rPr lang="en-US" smtClean="0"/>
               <a:pPr/>
-              <a:t>11/22/2015</a:t>
+              <a:t>10/12/2016</a:t>
             </a:fld>
             <a:endParaRPr lang="en-US"/>
           </a:p>
@@ -2698,7 +2698,7 @@
             <a:fld id="{FFC4640D-1B8B-4AD7-A1A6-CD7E282C5B04}" type="datetimeFigureOut">
               <a:rPr lang="en-US" smtClean="0"/>
               <a:pPr/>
-              <a:t>11/22/2015</a:t>
+              <a:t>10/12/2016</a:t>
             </a:fld>
             <a:endParaRPr lang="en-US"/>
           </a:p>
@@ -3230,8 +3230,8 @@
               <a:t> target="_blank"&gt;Visit </a:t>
             </a:r>
             <a:r>
-              <a:rPr lang="en-US" sz="2800" dirty="0" err="1" smtClean="0"/>
-              <a:t>azam</a:t>
+              <a:rPr lang="en-US" sz="2800" dirty="0" smtClean="0"/>
+              <a:t>Prolog</a:t>
             </a:r>
             <a:r>
               <a:rPr lang="en-US" sz="2800" dirty="0" smtClean="0"/>
@@ -4022,8 +4022,8 @@
               <a:t>=“</a:t>
             </a:r>
             <a:r>
-              <a:rPr lang="en-US" sz="3200" dirty="0" err="1" smtClean="0"/>
-              <a:t>azam</a:t>
+              <a:rPr lang="en-US" sz="3200" dirty="0" smtClean="0"/>
+              <a:t>prolog</a:t>
             </a:r>
             <a:r>
               <a:rPr lang="en-US" sz="3200" dirty="0" smtClean="0"/>
